--- a/20241018 NAF Update (nonuniform).pptx
+++ b/20241018 NAF Update (nonuniform).pptx
@@ -208,7 +208,7 @@
           <a:p>
             <a:fld id="{4299902A-6DB3-4A13-9B91-BEABFDA2FC16}" type="datetimeFigureOut">
               <a:rPr lang="en-US" smtClean="0"/>
-              <a:t>10/18/2024</a:t>
+              <a:t>10/22/2024</a:t>
             </a:fld>
             <a:endParaRPr lang="en-US"/>
           </a:p>
@@ -8021,7 +8021,7 @@
             <a:p>
               <a:r>
                 <a:rPr lang="en-US" sz="1200" dirty="0"/>
-                <a:t>Srinivasan et al. Part I. 2024. </a:t>
+                <a:t>Srivastav et al. Part I. 2024. </a:t>
               </a:r>
               <a:r>
                 <a:rPr lang="en-US" sz="1200" i="1" dirty="0"/>
